--- a/Topics.pptx
+++ b/Topics.pptx
@@ -8,6 +8,7 @@
     <p:sldId id="257" r:id="rId2"/>
     <p:sldId id="260" r:id="rId3"/>
     <p:sldId id="261" r:id="rId4"/>
+    <p:sldId id="262" r:id="rId5"/>
   </p:sldIdLst>
   <p:sldSz cx="12192000" cy="6858000"/>
   <p:notesSz cx="6858000" cy="9144000"/>
@@ -156,10 +157,9 @@
           </a:lstStyle>
           <a:p>
             <a:r>
-              <a:rPr lang="en-US" smtClean="0"/>
+              <a:rPr lang="en-US"/>
               <a:t>Click to edit Master title style</a:t>
             </a:r>
-            <a:endParaRPr lang="en-US"/>
           </a:p>
         </p:txBody>
       </p:sp>
@@ -221,10 +221,9 @@
           </a:lstStyle>
           <a:p>
             <a:r>
-              <a:rPr lang="en-US" smtClean="0"/>
+              <a:rPr lang="en-US"/>
               <a:t>Click to edit Master subtitle style</a:t>
             </a:r>
-            <a:endParaRPr lang="en-US"/>
           </a:p>
         </p:txBody>
       </p:sp>
@@ -245,7 +244,7 @@
           <a:p>
             <a:fld id="{FFECD857-F584-49A6-87EF-F8DC6D6F53D4}" type="datetimeFigureOut">
               <a:rPr lang="en-US" smtClean="0"/>
-              <a:t>3/12/2025</a:t>
+              <a:t>4/8/2025</a:t>
             </a:fld>
             <a:endParaRPr lang="en-US"/>
           </a:p>
@@ -339,10 +338,9 @@
           <a:lstStyle/>
           <a:p>
             <a:r>
-              <a:rPr lang="en-US" smtClean="0"/>
+              <a:rPr lang="en-US"/>
               <a:t>Click to edit Master title style</a:t>
             </a:r>
-            <a:endParaRPr lang="en-US"/>
           </a:p>
         </p:txBody>
       </p:sp>
@@ -363,38 +361,37 @@
           <a:p>
             <a:pPr lvl="0"/>
             <a:r>
-              <a:rPr lang="en-US" smtClean="0"/>
+              <a:rPr lang="en-US"/>
               <a:t>Edit Master text styles</a:t>
             </a:r>
           </a:p>
           <a:p>
             <a:pPr lvl="1"/>
             <a:r>
-              <a:rPr lang="en-US" smtClean="0"/>
+              <a:rPr lang="en-US"/>
               <a:t>Second level</a:t>
             </a:r>
           </a:p>
           <a:p>
             <a:pPr lvl="2"/>
             <a:r>
-              <a:rPr lang="en-US" smtClean="0"/>
+              <a:rPr lang="en-US"/>
               <a:t>Third level</a:t>
             </a:r>
           </a:p>
           <a:p>
             <a:pPr lvl="3"/>
             <a:r>
-              <a:rPr lang="en-US" smtClean="0"/>
+              <a:rPr lang="en-US"/>
               <a:t>Fourth level</a:t>
             </a:r>
           </a:p>
           <a:p>
             <a:pPr lvl="4"/>
             <a:r>
-              <a:rPr lang="en-US" smtClean="0"/>
+              <a:rPr lang="en-US"/>
               <a:t>Fifth level</a:t>
             </a:r>
-            <a:endParaRPr lang="en-US"/>
           </a:p>
         </p:txBody>
       </p:sp>
@@ -415,7 +412,7 @@
           <a:p>
             <a:fld id="{FFECD857-F584-49A6-87EF-F8DC6D6F53D4}" type="datetimeFigureOut">
               <a:rPr lang="en-US" smtClean="0"/>
-              <a:t>3/12/2025</a:t>
+              <a:t>4/8/2025</a:t>
             </a:fld>
             <a:endParaRPr lang="en-US"/>
           </a:p>
@@ -514,10 +511,9 @@
           <a:lstStyle/>
           <a:p>
             <a:r>
-              <a:rPr lang="en-US" smtClean="0"/>
+              <a:rPr lang="en-US"/>
               <a:t>Click to edit Master title style</a:t>
             </a:r>
-            <a:endParaRPr lang="en-US"/>
           </a:p>
         </p:txBody>
       </p:sp>
@@ -543,38 +539,37 @@
           <a:p>
             <a:pPr lvl="0"/>
             <a:r>
-              <a:rPr lang="en-US" smtClean="0"/>
+              <a:rPr lang="en-US"/>
               <a:t>Edit Master text styles</a:t>
             </a:r>
           </a:p>
           <a:p>
             <a:pPr lvl="1"/>
             <a:r>
-              <a:rPr lang="en-US" smtClean="0"/>
+              <a:rPr lang="en-US"/>
               <a:t>Second level</a:t>
             </a:r>
           </a:p>
           <a:p>
             <a:pPr lvl="2"/>
             <a:r>
-              <a:rPr lang="en-US" smtClean="0"/>
+              <a:rPr lang="en-US"/>
               <a:t>Third level</a:t>
             </a:r>
           </a:p>
           <a:p>
             <a:pPr lvl="3"/>
             <a:r>
-              <a:rPr lang="en-US" smtClean="0"/>
+              <a:rPr lang="en-US"/>
               <a:t>Fourth level</a:t>
             </a:r>
           </a:p>
           <a:p>
             <a:pPr lvl="4"/>
             <a:r>
-              <a:rPr lang="en-US" smtClean="0"/>
+              <a:rPr lang="en-US"/>
               <a:t>Fifth level</a:t>
             </a:r>
-            <a:endParaRPr lang="en-US"/>
           </a:p>
         </p:txBody>
       </p:sp>
@@ -595,7 +590,7 @@
           <a:p>
             <a:fld id="{FFECD857-F584-49A6-87EF-F8DC6D6F53D4}" type="datetimeFigureOut">
               <a:rPr lang="en-US" smtClean="0"/>
-              <a:t>3/12/2025</a:t>
+              <a:t>4/8/2025</a:t>
             </a:fld>
             <a:endParaRPr lang="en-US"/>
           </a:p>
@@ -689,10 +684,9 @@
           <a:lstStyle/>
           <a:p>
             <a:r>
-              <a:rPr lang="en-US" smtClean="0"/>
+              <a:rPr lang="en-US"/>
               <a:t>Click to edit Master title style</a:t>
             </a:r>
-            <a:endParaRPr lang="en-US"/>
           </a:p>
         </p:txBody>
       </p:sp>
@@ -713,38 +707,37 @@
           <a:p>
             <a:pPr lvl="0"/>
             <a:r>
-              <a:rPr lang="en-US" smtClean="0"/>
+              <a:rPr lang="en-US"/>
               <a:t>Edit Master text styles</a:t>
             </a:r>
           </a:p>
           <a:p>
             <a:pPr lvl="1"/>
             <a:r>
-              <a:rPr lang="en-US" smtClean="0"/>
+              <a:rPr lang="en-US"/>
               <a:t>Second level</a:t>
             </a:r>
           </a:p>
           <a:p>
             <a:pPr lvl="2"/>
             <a:r>
-              <a:rPr lang="en-US" smtClean="0"/>
+              <a:rPr lang="en-US"/>
               <a:t>Third level</a:t>
             </a:r>
           </a:p>
           <a:p>
             <a:pPr lvl="3"/>
             <a:r>
-              <a:rPr lang="en-US" smtClean="0"/>
+              <a:rPr lang="en-US"/>
               <a:t>Fourth level</a:t>
             </a:r>
           </a:p>
           <a:p>
             <a:pPr lvl="4"/>
             <a:r>
-              <a:rPr lang="en-US" smtClean="0"/>
+              <a:rPr lang="en-US"/>
               <a:t>Fifth level</a:t>
             </a:r>
-            <a:endParaRPr lang="en-US"/>
           </a:p>
         </p:txBody>
       </p:sp>
@@ -765,7 +758,7 @@
           <a:p>
             <a:fld id="{FFECD857-F584-49A6-87EF-F8DC6D6F53D4}" type="datetimeFigureOut">
               <a:rPr lang="en-US" smtClean="0"/>
-              <a:t>3/12/2025</a:t>
+              <a:t>4/8/2025</a:t>
             </a:fld>
             <a:endParaRPr lang="en-US"/>
           </a:p>
@@ -868,10 +861,9 @@
           </a:lstStyle>
           <a:p>
             <a:r>
-              <a:rPr lang="en-US" smtClean="0"/>
+              <a:rPr lang="en-US"/>
               <a:t>Click to edit Master title style</a:t>
             </a:r>
-            <a:endParaRPr lang="en-US"/>
           </a:p>
         </p:txBody>
       </p:sp>
@@ -988,7 +980,7 @@
           <a:p>
             <a:pPr lvl="0"/>
             <a:r>
-              <a:rPr lang="en-US" smtClean="0"/>
+              <a:rPr lang="en-US"/>
               <a:t>Edit Master text styles</a:t>
             </a:r>
           </a:p>
@@ -1011,7 +1003,7 @@
           <a:p>
             <a:fld id="{FFECD857-F584-49A6-87EF-F8DC6D6F53D4}" type="datetimeFigureOut">
               <a:rPr lang="en-US" smtClean="0"/>
-              <a:t>3/12/2025</a:t>
+              <a:t>4/8/2025</a:t>
             </a:fld>
             <a:endParaRPr lang="en-US"/>
           </a:p>
@@ -1105,10 +1097,9 @@
           <a:lstStyle/>
           <a:p>
             <a:r>
-              <a:rPr lang="en-US" smtClean="0"/>
+              <a:rPr lang="en-US"/>
               <a:t>Click to edit Master title style</a:t>
             </a:r>
-            <a:endParaRPr lang="en-US"/>
           </a:p>
         </p:txBody>
       </p:sp>
@@ -1134,38 +1125,37 @@
           <a:p>
             <a:pPr lvl="0"/>
             <a:r>
-              <a:rPr lang="en-US" smtClean="0"/>
+              <a:rPr lang="en-US"/>
               <a:t>Edit Master text styles</a:t>
             </a:r>
           </a:p>
           <a:p>
             <a:pPr lvl="1"/>
             <a:r>
-              <a:rPr lang="en-US" smtClean="0"/>
+              <a:rPr lang="en-US"/>
               <a:t>Second level</a:t>
             </a:r>
           </a:p>
           <a:p>
             <a:pPr lvl="2"/>
             <a:r>
-              <a:rPr lang="en-US" smtClean="0"/>
+              <a:rPr lang="en-US"/>
               <a:t>Third level</a:t>
             </a:r>
           </a:p>
           <a:p>
             <a:pPr lvl="3"/>
             <a:r>
-              <a:rPr lang="en-US" smtClean="0"/>
+              <a:rPr lang="en-US"/>
               <a:t>Fourth level</a:t>
             </a:r>
           </a:p>
           <a:p>
             <a:pPr lvl="4"/>
             <a:r>
-              <a:rPr lang="en-US" smtClean="0"/>
+              <a:rPr lang="en-US"/>
               <a:t>Fifth level</a:t>
             </a:r>
-            <a:endParaRPr lang="en-US"/>
           </a:p>
         </p:txBody>
       </p:sp>
@@ -1191,38 +1181,37 @@
           <a:p>
             <a:pPr lvl="0"/>
             <a:r>
-              <a:rPr lang="en-US" smtClean="0"/>
+              <a:rPr lang="en-US"/>
               <a:t>Edit Master text styles</a:t>
             </a:r>
           </a:p>
           <a:p>
             <a:pPr lvl="1"/>
             <a:r>
-              <a:rPr lang="en-US" smtClean="0"/>
+              <a:rPr lang="en-US"/>
               <a:t>Second level</a:t>
             </a:r>
           </a:p>
           <a:p>
             <a:pPr lvl="2"/>
             <a:r>
-              <a:rPr lang="en-US" smtClean="0"/>
+              <a:rPr lang="en-US"/>
               <a:t>Third level</a:t>
             </a:r>
           </a:p>
           <a:p>
             <a:pPr lvl="3"/>
             <a:r>
-              <a:rPr lang="en-US" smtClean="0"/>
+              <a:rPr lang="en-US"/>
               <a:t>Fourth level</a:t>
             </a:r>
           </a:p>
           <a:p>
             <a:pPr lvl="4"/>
             <a:r>
-              <a:rPr lang="en-US" smtClean="0"/>
+              <a:rPr lang="en-US"/>
               <a:t>Fifth level</a:t>
             </a:r>
-            <a:endParaRPr lang="en-US"/>
           </a:p>
         </p:txBody>
       </p:sp>
@@ -1243,7 +1232,7 @@
           <a:p>
             <a:fld id="{FFECD857-F584-49A6-87EF-F8DC6D6F53D4}" type="datetimeFigureOut">
               <a:rPr lang="en-US" smtClean="0"/>
-              <a:t>3/12/2025</a:t>
+              <a:t>4/8/2025</a:t>
             </a:fld>
             <a:endParaRPr lang="en-US"/>
           </a:p>
@@ -1342,10 +1331,9 @@
           <a:lstStyle/>
           <a:p>
             <a:r>
-              <a:rPr lang="en-US" smtClean="0"/>
+              <a:rPr lang="en-US"/>
               <a:t>Click to edit Master title style</a:t>
             </a:r>
-            <a:endParaRPr lang="en-US"/>
           </a:p>
         </p:txBody>
       </p:sp>
@@ -1408,7 +1396,7 @@
           <a:p>
             <a:pPr lvl="0"/>
             <a:r>
-              <a:rPr lang="en-US" smtClean="0"/>
+              <a:rPr lang="en-US"/>
               <a:t>Edit Master text styles</a:t>
             </a:r>
           </a:p>
@@ -1436,38 +1424,37 @@
           <a:p>
             <a:pPr lvl="0"/>
             <a:r>
-              <a:rPr lang="en-US" smtClean="0"/>
+              <a:rPr lang="en-US"/>
               <a:t>Edit Master text styles</a:t>
             </a:r>
           </a:p>
           <a:p>
             <a:pPr lvl="1"/>
             <a:r>
-              <a:rPr lang="en-US" smtClean="0"/>
+              <a:rPr lang="en-US"/>
               <a:t>Second level</a:t>
             </a:r>
           </a:p>
           <a:p>
             <a:pPr lvl="2"/>
             <a:r>
-              <a:rPr lang="en-US" smtClean="0"/>
+              <a:rPr lang="en-US"/>
               <a:t>Third level</a:t>
             </a:r>
           </a:p>
           <a:p>
             <a:pPr lvl="3"/>
             <a:r>
-              <a:rPr lang="en-US" smtClean="0"/>
+              <a:rPr lang="en-US"/>
               <a:t>Fourth level</a:t>
             </a:r>
           </a:p>
           <a:p>
             <a:pPr lvl="4"/>
             <a:r>
-              <a:rPr lang="en-US" smtClean="0"/>
+              <a:rPr lang="en-US"/>
               <a:t>Fifth level</a:t>
             </a:r>
-            <a:endParaRPr lang="en-US"/>
           </a:p>
         </p:txBody>
       </p:sp>
@@ -1530,7 +1517,7 @@
           <a:p>
             <a:pPr lvl="0"/>
             <a:r>
-              <a:rPr lang="en-US" smtClean="0"/>
+              <a:rPr lang="en-US"/>
               <a:t>Edit Master text styles</a:t>
             </a:r>
           </a:p>
@@ -1558,38 +1545,37 @@
           <a:p>
             <a:pPr lvl="0"/>
             <a:r>
-              <a:rPr lang="en-US" smtClean="0"/>
+              <a:rPr lang="en-US"/>
               <a:t>Edit Master text styles</a:t>
             </a:r>
           </a:p>
           <a:p>
             <a:pPr lvl="1"/>
             <a:r>
-              <a:rPr lang="en-US" smtClean="0"/>
+              <a:rPr lang="en-US"/>
               <a:t>Second level</a:t>
             </a:r>
           </a:p>
           <a:p>
             <a:pPr lvl="2"/>
             <a:r>
-              <a:rPr lang="en-US" smtClean="0"/>
+              <a:rPr lang="en-US"/>
               <a:t>Third level</a:t>
             </a:r>
           </a:p>
           <a:p>
             <a:pPr lvl="3"/>
             <a:r>
-              <a:rPr lang="en-US" smtClean="0"/>
+              <a:rPr lang="en-US"/>
               <a:t>Fourth level</a:t>
             </a:r>
           </a:p>
           <a:p>
             <a:pPr lvl="4"/>
             <a:r>
-              <a:rPr lang="en-US" smtClean="0"/>
+              <a:rPr lang="en-US"/>
               <a:t>Fifth level</a:t>
             </a:r>
-            <a:endParaRPr lang="en-US"/>
           </a:p>
         </p:txBody>
       </p:sp>
@@ -1610,7 +1596,7 @@
           <a:p>
             <a:fld id="{FFECD857-F584-49A6-87EF-F8DC6D6F53D4}" type="datetimeFigureOut">
               <a:rPr lang="en-US" smtClean="0"/>
-              <a:t>3/12/2025</a:t>
+              <a:t>4/8/2025</a:t>
             </a:fld>
             <a:endParaRPr lang="en-US"/>
           </a:p>
@@ -1704,10 +1690,9 @@
           <a:lstStyle/>
           <a:p>
             <a:r>
-              <a:rPr lang="en-US" smtClean="0"/>
+              <a:rPr lang="en-US"/>
               <a:t>Click to edit Master title style</a:t>
             </a:r>
-            <a:endParaRPr lang="en-US"/>
           </a:p>
         </p:txBody>
       </p:sp>
@@ -1728,7 +1713,7 @@
           <a:p>
             <a:fld id="{FFECD857-F584-49A6-87EF-F8DC6D6F53D4}" type="datetimeFigureOut">
               <a:rPr lang="en-US" smtClean="0"/>
-              <a:t>3/12/2025</a:t>
+              <a:t>4/8/2025</a:t>
             </a:fld>
             <a:endParaRPr lang="en-US"/>
           </a:p>
@@ -1823,7 +1808,7 @@
           <a:p>
             <a:fld id="{FFECD857-F584-49A6-87EF-F8DC6D6F53D4}" type="datetimeFigureOut">
               <a:rPr lang="en-US" smtClean="0"/>
-              <a:t>3/12/2025</a:t>
+              <a:t>4/8/2025</a:t>
             </a:fld>
             <a:endParaRPr lang="en-US"/>
           </a:p>
@@ -1926,10 +1911,9 @@
           </a:lstStyle>
           <a:p>
             <a:r>
-              <a:rPr lang="en-US" smtClean="0"/>
+              <a:rPr lang="en-US"/>
               <a:t>Click to edit Master title style</a:t>
             </a:r>
-            <a:endParaRPr lang="en-US"/>
           </a:p>
         </p:txBody>
       </p:sp>
@@ -1983,38 +1967,37 @@
           <a:p>
             <a:pPr lvl="0"/>
             <a:r>
-              <a:rPr lang="en-US" smtClean="0"/>
+              <a:rPr lang="en-US"/>
               <a:t>Edit Master text styles</a:t>
             </a:r>
           </a:p>
           <a:p>
             <a:pPr lvl="1"/>
             <a:r>
-              <a:rPr lang="en-US" smtClean="0"/>
+              <a:rPr lang="en-US"/>
               <a:t>Second level</a:t>
             </a:r>
           </a:p>
           <a:p>
             <a:pPr lvl="2"/>
             <a:r>
-              <a:rPr lang="en-US" smtClean="0"/>
+              <a:rPr lang="en-US"/>
               <a:t>Third level</a:t>
             </a:r>
           </a:p>
           <a:p>
             <a:pPr lvl="3"/>
             <a:r>
-              <a:rPr lang="en-US" smtClean="0"/>
+              <a:rPr lang="en-US"/>
               <a:t>Fourth level</a:t>
             </a:r>
           </a:p>
           <a:p>
             <a:pPr lvl="4"/>
             <a:r>
-              <a:rPr lang="en-US" smtClean="0"/>
+              <a:rPr lang="en-US"/>
               <a:t>Fifth level</a:t>
             </a:r>
-            <a:endParaRPr lang="en-US"/>
           </a:p>
         </p:txBody>
       </p:sp>
@@ -2077,7 +2060,7 @@
           <a:p>
             <a:pPr lvl="0"/>
             <a:r>
-              <a:rPr lang="en-US" smtClean="0"/>
+              <a:rPr lang="en-US"/>
               <a:t>Edit Master text styles</a:t>
             </a:r>
           </a:p>
@@ -2100,7 +2083,7 @@
           <a:p>
             <a:fld id="{FFECD857-F584-49A6-87EF-F8DC6D6F53D4}" type="datetimeFigureOut">
               <a:rPr lang="en-US" smtClean="0"/>
-              <a:t>3/12/2025</a:t>
+              <a:t>4/8/2025</a:t>
             </a:fld>
             <a:endParaRPr lang="en-US"/>
           </a:p>
@@ -2203,10 +2186,9 @@
           </a:lstStyle>
           <a:p>
             <a:r>
-              <a:rPr lang="en-US" smtClean="0"/>
+              <a:rPr lang="en-US"/>
               <a:t>Click to edit Master title style</a:t>
             </a:r>
-            <a:endParaRPr lang="en-US"/>
           </a:p>
         </p:txBody>
       </p:sp>
@@ -2330,7 +2312,7 @@
           <a:p>
             <a:pPr lvl="0"/>
             <a:r>
-              <a:rPr lang="en-US" smtClean="0"/>
+              <a:rPr lang="en-US"/>
               <a:t>Edit Master text styles</a:t>
             </a:r>
           </a:p>
@@ -2353,7 +2335,7 @@
           <a:p>
             <a:fld id="{FFECD857-F584-49A6-87EF-F8DC6D6F53D4}" type="datetimeFigureOut">
               <a:rPr lang="en-US" smtClean="0"/>
-              <a:t>3/12/2025</a:t>
+              <a:t>4/8/2025</a:t>
             </a:fld>
             <a:endParaRPr lang="en-US"/>
           </a:p>
@@ -2462,10 +2444,9 @@
           <a:lstStyle/>
           <a:p>
             <a:r>
-              <a:rPr lang="en-US" smtClean="0"/>
+              <a:rPr lang="en-US"/>
               <a:t>Click to edit Master title style</a:t>
             </a:r>
-            <a:endParaRPr lang="en-US"/>
           </a:p>
         </p:txBody>
       </p:sp>
@@ -2496,38 +2477,37 @@
           <a:p>
             <a:pPr lvl="0"/>
             <a:r>
-              <a:rPr lang="en-US" smtClean="0"/>
+              <a:rPr lang="en-US"/>
               <a:t>Edit Master text styles</a:t>
             </a:r>
           </a:p>
           <a:p>
             <a:pPr lvl="1"/>
             <a:r>
-              <a:rPr lang="en-US" smtClean="0"/>
+              <a:rPr lang="en-US"/>
               <a:t>Second level</a:t>
             </a:r>
           </a:p>
           <a:p>
             <a:pPr lvl="2"/>
             <a:r>
-              <a:rPr lang="en-US" smtClean="0"/>
+              <a:rPr lang="en-US"/>
               <a:t>Third level</a:t>
             </a:r>
           </a:p>
           <a:p>
             <a:pPr lvl="3"/>
             <a:r>
-              <a:rPr lang="en-US" smtClean="0"/>
+              <a:rPr lang="en-US"/>
               <a:t>Fourth level</a:t>
             </a:r>
           </a:p>
           <a:p>
             <a:pPr lvl="4"/>
             <a:r>
-              <a:rPr lang="en-US" smtClean="0"/>
+              <a:rPr lang="en-US"/>
               <a:t>Fifth level</a:t>
             </a:r>
-            <a:endParaRPr lang="en-US"/>
           </a:p>
         </p:txBody>
       </p:sp>
@@ -2566,7 +2546,7 @@
           <a:p>
             <a:fld id="{FFECD857-F584-49A6-87EF-F8DC6D6F53D4}" type="datetimeFigureOut">
               <a:rPr lang="en-US" smtClean="0"/>
-              <a:t>3/12/2025</a:t>
+              <a:t>4/8/2025</a:t>
             </a:fld>
             <a:endParaRPr lang="en-US"/>
           </a:p>
@@ -2987,10 +2967,9 @@
           <a:lstStyle/>
           <a:p>
             <a:r>
-              <a:rPr lang="en-US" dirty="0" smtClean="0"/>
+              <a:rPr lang="en-US" dirty="0"/>
               <a:t>Chapter 1</a:t>
             </a:r>
-            <a:endParaRPr lang="en-US" dirty="0"/>
           </a:p>
         </p:txBody>
       </p:sp>
@@ -3017,64 +2996,64 @@
           <a:lstStyle/>
           <a:p>
             <a:r>
-              <a:rPr lang="en-US" dirty="0" smtClean="0"/>
+              <a:rPr lang="en-US" dirty="0"/>
               <a:t>What is OS</a:t>
             </a:r>
           </a:p>
           <a:p>
             <a:r>
-              <a:rPr lang="en-US" dirty="0" smtClean="0"/>
+              <a:rPr lang="en-US" dirty="0"/>
               <a:t>Kernel</a:t>
             </a:r>
           </a:p>
           <a:p>
             <a:r>
-              <a:rPr lang="en-US" dirty="0" smtClean="0"/>
+              <a:rPr lang="en-US" dirty="0"/>
               <a:t>Computer System Organization</a:t>
             </a:r>
           </a:p>
           <a:p>
             <a:r>
-              <a:rPr lang="en-US" dirty="0" smtClean="0"/>
+              <a:rPr lang="en-US" dirty="0"/>
               <a:t>Computer System Architecture</a:t>
             </a:r>
           </a:p>
           <a:p>
             <a:pPr lvl="1"/>
             <a:r>
-              <a:rPr lang="en-US" dirty="0" smtClean="0"/>
+              <a:rPr lang="en-US" dirty="0"/>
               <a:t>Single Processor</a:t>
             </a:r>
           </a:p>
           <a:p>
             <a:pPr lvl="1"/>
             <a:r>
-              <a:rPr lang="en-US" dirty="0" smtClean="0"/>
+              <a:rPr lang="en-US" dirty="0"/>
               <a:t>Multi Processor </a:t>
             </a:r>
           </a:p>
           <a:p>
             <a:pPr lvl="1"/>
             <a:r>
-              <a:rPr lang="en-US" dirty="0" smtClean="0"/>
+              <a:rPr lang="en-US" dirty="0"/>
               <a:t>Cluster</a:t>
             </a:r>
           </a:p>
           <a:p>
             <a:r>
-              <a:rPr lang="en-US" dirty="0" smtClean="0"/>
+              <a:rPr lang="en-US" dirty="0"/>
               <a:t>Storage Structure</a:t>
             </a:r>
           </a:p>
           <a:p>
             <a:r>
-              <a:rPr lang="en-US" dirty="0" smtClean="0"/>
+              <a:rPr lang="en-US" dirty="0"/>
               <a:t>Direct Memory Access</a:t>
             </a:r>
           </a:p>
           <a:p>
             <a:r>
-              <a:rPr lang="en-US" dirty="0" smtClean="0"/>
+              <a:rPr lang="en-US" dirty="0"/>
               <a:t>Interrupts and Traps</a:t>
             </a:r>
           </a:p>
@@ -3267,67 +3246,67 @@
           </a:lstStyle>
           <a:p>
             <a:r>
-              <a:rPr lang="en-US" dirty="0" smtClean="0"/>
+              <a:rPr lang="en-US" dirty="0"/>
               <a:t>Operating System Structure</a:t>
             </a:r>
           </a:p>
           <a:p>
             <a:pPr lvl="1"/>
             <a:r>
-              <a:rPr lang="en-US" dirty="0" smtClean="0"/>
+              <a:rPr lang="en-US" dirty="0"/>
               <a:t>Multi Programmed </a:t>
             </a:r>
           </a:p>
           <a:p>
             <a:pPr lvl="1"/>
             <a:r>
-              <a:rPr lang="en-US" dirty="0" smtClean="0"/>
+              <a:rPr lang="en-US" dirty="0"/>
               <a:t>Time Sharing</a:t>
             </a:r>
           </a:p>
           <a:p>
             <a:pPr lvl="1"/>
             <a:r>
-              <a:rPr lang="en-US" dirty="0" smtClean="0"/>
+              <a:rPr lang="en-US" dirty="0"/>
               <a:t>User vs Kernel Mode</a:t>
             </a:r>
           </a:p>
           <a:p>
             <a:r>
-              <a:rPr lang="en-US" dirty="0" smtClean="0"/>
+              <a:rPr lang="en-US" dirty="0"/>
               <a:t>Types of OS</a:t>
             </a:r>
           </a:p>
           <a:p>
             <a:pPr lvl="1"/>
             <a:r>
-              <a:rPr lang="en-US" dirty="0" smtClean="0"/>
+              <a:rPr lang="en-US" dirty="0"/>
               <a:t>Distributed</a:t>
             </a:r>
           </a:p>
           <a:p>
             <a:pPr lvl="1"/>
             <a:r>
-              <a:rPr lang="en-US" dirty="0" smtClean="0"/>
+              <a:rPr lang="en-US" dirty="0"/>
               <a:t>Real-time</a:t>
             </a:r>
           </a:p>
           <a:p>
             <a:pPr lvl="2"/>
             <a:r>
-              <a:rPr lang="en-US" dirty="0" smtClean="0"/>
+              <a:rPr lang="en-US" dirty="0"/>
               <a:t>Soft vs Hard </a:t>
             </a:r>
             <a:r>
-              <a:rPr lang="en-US" dirty="0" err="1" smtClean="0"/>
+              <a:rPr lang="en-US" dirty="0" err="1"/>
               <a:t>realtime</a:t>
             </a:r>
-            <a:endParaRPr lang="en-US" dirty="0" smtClean="0"/>
+            <a:endParaRPr lang="en-US" dirty="0"/>
           </a:p>
           <a:p>
             <a:pPr lvl="1"/>
             <a:r>
-              <a:rPr lang="en-US" dirty="0" smtClean="0"/>
+              <a:rPr lang="en-US" dirty="0"/>
               <a:t>Client-Server</a:t>
             </a:r>
           </a:p>
@@ -3379,14 +3358,9 @@
           <a:lstStyle/>
           <a:p>
             <a:r>
-              <a:rPr lang="en-US" dirty="0" smtClean="0"/>
-              <a:t>Chapter </a:t>
-            </a:r>
-            <a:r>
-              <a:rPr lang="en-US" dirty="0" smtClean="0"/>
-              <a:t>2</a:t>
-            </a:r>
-            <a:endParaRPr lang="en-US" dirty="0"/>
+              <a:rPr lang="en-US" dirty="0"/>
+              <a:t>Chapter 2</a:t>
+            </a:r>
           </a:p>
         </p:txBody>
       </p:sp>
@@ -3413,90 +3387,82 @@
           <a:lstStyle/>
           <a:p>
             <a:r>
-              <a:rPr lang="en-US" dirty="0" smtClean="0"/>
+              <a:rPr lang="en-US" dirty="0"/>
               <a:t>OS Services</a:t>
             </a:r>
           </a:p>
           <a:p>
             <a:pPr lvl="1"/>
             <a:r>
-              <a:rPr lang="en-US" dirty="0" smtClean="0"/>
+              <a:rPr lang="en-US" dirty="0"/>
               <a:t>User Interface</a:t>
             </a:r>
           </a:p>
           <a:p>
             <a:pPr lvl="1"/>
             <a:r>
-              <a:rPr lang="en-US" dirty="0" smtClean="0"/>
+              <a:rPr lang="en-US" dirty="0"/>
               <a:t>Program Execution</a:t>
             </a:r>
           </a:p>
           <a:p>
             <a:pPr lvl="1"/>
             <a:r>
-              <a:rPr lang="en-US" dirty="0" smtClean="0"/>
+              <a:rPr lang="en-US" dirty="0"/>
               <a:t>I/O Operations</a:t>
             </a:r>
           </a:p>
           <a:p>
             <a:pPr lvl="1"/>
             <a:r>
-              <a:rPr lang="en-US" dirty="0" smtClean="0"/>
+              <a:rPr lang="en-US" dirty="0"/>
               <a:t>File System Manipulation</a:t>
             </a:r>
           </a:p>
           <a:p>
             <a:pPr lvl="1"/>
             <a:r>
-              <a:rPr lang="en-US" dirty="0" smtClean="0"/>
+              <a:rPr lang="en-US" dirty="0"/>
               <a:t>Error Detection</a:t>
             </a:r>
           </a:p>
           <a:p>
             <a:pPr lvl="1"/>
             <a:r>
-              <a:rPr lang="en-US" dirty="0" smtClean="0"/>
+              <a:rPr lang="en-US" dirty="0"/>
               <a:t>Resource Allocation</a:t>
             </a:r>
           </a:p>
           <a:p>
             <a:pPr lvl="1"/>
             <a:r>
-              <a:rPr lang="en-US" dirty="0" smtClean="0"/>
+              <a:rPr lang="en-US" dirty="0"/>
               <a:t>Accounting</a:t>
             </a:r>
           </a:p>
           <a:p>
             <a:pPr lvl="1"/>
             <a:r>
-              <a:rPr lang="en-US" dirty="0" smtClean="0"/>
+              <a:rPr lang="en-US" dirty="0"/>
               <a:t>Protection and Security</a:t>
             </a:r>
           </a:p>
           <a:p>
             <a:r>
-              <a:rPr lang="en-US" dirty="0" smtClean="0"/>
-              <a:t>System </a:t>
-            </a:r>
-            <a:r>
-              <a:rPr lang="en-US" dirty="0" smtClean="0"/>
-              <a:t>Calls</a:t>
-            </a:r>
-          </a:p>
-          <a:p>
-            <a:r>
-              <a:rPr lang="en-US" dirty="0" smtClean="0"/>
+              <a:rPr lang="en-US" dirty="0"/>
+              <a:t>System Calls</a:t>
+            </a:r>
+          </a:p>
+          <a:p>
+            <a:r>
+              <a:rPr lang="en-US" dirty="0"/>
               <a:t>System Call Mechanism</a:t>
             </a:r>
           </a:p>
           <a:p>
             <a:r>
-              <a:rPr lang="en-US" dirty="0" smtClean="0"/>
-              <a:t>System </a:t>
-            </a:r>
-            <a:r>
-              <a:rPr lang="en-US" dirty="0" smtClean="0"/>
-              <a:t>Call Interface</a:t>
+              <a:rPr lang="en-US" dirty="0"/>
+              <a:t>System Call Interface</a:t>
             </a:r>
           </a:p>
         </p:txBody>
@@ -3688,16 +3654,15 @@
           </a:lstStyle>
           <a:p>
             <a:r>
-              <a:rPr lang="en-US" dirty="0" smtClean="0"/>
+              <a:rPr lang="en-US" dirty="0"/>
               <a:t>Examples of System Calls</a:t>
             </a:r>
           </a:p>
           <a:p>
             <a:r>
-              <a:rPr lang="en-US" dirty="0" smtClean="0"/>
+              <a:rPr lang="en-US" dirty="0"/>
               <a:t>Parameter Passing in System Calls</a:t>
             </a:r>
-            <a:endParaRPr lang="en-US" dirty="0" smtClean="0"/>
           </a:p>
         </p:txBody>
       </p:sp>
@@ -3747,14 +3712,9 @@
           <a:lstStyle/>
           <a:p>
             <a:r>
-              <a:rPr lang="en-US" dirty="0" smtClean="0"/>
-              <a:t>Chapter </a:t>
-            </a:r>
-            <a:r>
-              <a:rPr lang="en-US" dirty="0" smtClean="0"/>
-              <a:t>3</a:t>
-            </a:r>
-            <a:endParaRPr lang="en-US" dirty="0"/>
+              <a:rPr lang="en-US" dirty="0"/>
+              <a:t>Chapter 3</a:t>
+            </a:r>
           </a:p>
         </p:txBody>
       </p:sp>
@@ -3781,95 +3741,93 @@
           <a:lstStyle/>
           <a:p>
             <a:r>
-              <a:rPr lang="en-US" dirty="0" smtClean="0"/>
+              <a:rPr lang="en-US" dirty="0"/>
               <a:t>What is a Process?</a:t>
             </a:r>
           </a:p>
           <a:p>
             <a:r>
-              <a:rPr lang="en-US" dirty="0" smtClean="0"/>
+              <a:rPr lang="en-US" dirty="0"/>
               <a:t>Difference between process and program</a:t>
             </a:r>
-            <a:endParaRPr lang="en-US" dirty="0" smtClean="0"/>
-          </a:p>
-          <a:p>
-            <a:r>
-              <a:rPr lang="en-US" dirty="0" smtClean="0"/>
+          </a:p>
+          <a:p>
+            <a:r>
+              <a:rPr lang="en-US" dirty="0"/>
               <a:t>Process States</a:t>
             </a:r>
           </a:p>
           <a:p>
             <a:r>
-              <a:rPr lang="en-US" dirty="0" smtClean="0"/>
+              <a:rPr lang="en-US" dirty="0"/>
               <a:t>Process State Diagram</a:t>
             </a:r>
           </a:p>
           <a:p>
             <a:r>
-              <a:rPr lang="en-US" dirty="0" smtClean="0"/>
+              <a:rPr lang="en-US" dirty="0"/>
               <a:t>Process Scheduling</a:t>
             </a:r>
           </a:p>
           <a:p>
             <a:pPr lvl="1"/>
             <a:r>
-              <a:rPr lang="en-US" dirty="0" smtClean="0"/>
+              <a:rPr lang="en-US" dirty="0"/>
               <a:t>Long Term</a:t>
             </a:r>
           </a:p>
           <a:p>
             <a:pPr lvl="1"/>
             <a:r>
-              <a:rPr lang="en-US" dirty="0" smtClean="0"/>
+              <a:rPr lang="en-US" dirty="0"/>
               <a:t>Medium Term</a:t>
             </a:r>
           </a:p>
           <a:p>
             <a:pPr lvl="1"/>
             <a:r>
-              <a:rPr lang="en-US" dirty="0" smtClean="0"/>
+              <a:rPr lang="en-US" dirty="0"/>
               <a:t>Short Term</a:t>
             </a:r>
           </a:p>
           <a:p>
             <a:r>
-              <a:rPr lang="en-US" dirty="0" smtClean="0"/>
+              <a:rPr lang="en-US" dirty="0"/>
               <a:t>Process Control Block</a:t>
             </a:r>
           </a:p>
           <a:p>
             <a:r>
-              <a:rPr lang="en-US" dirty="0" smtClean="0"/>
+              <a:rPr lang="en-US" dirty="0"/>
               <a:t>Context Switching</a:t>
             </a:r>
           </a:p>
           <a:p>
             <a:r>
-              <a:rPr lang="en-US" dirty="0" smtClean="0"/>
+              <a:rPr lang="en-US" dirty="0"/>
               <a:t>Operations on Process</a:t>
             </a:r>
           </a:p>
           <a:p>
             <a:pPr lvl="1"/>
             <a:r>
-              <a:rPr lang="en-US" dirty="0" smtClean="0"/>
+              <a:rPr lang="en-US" dirty="0"/>
               <a:t>Process Creation</a:t>
             </a:r>
           </a:p>
           <a:p>
             <a:pPr lvl="2"/>
             <a:r>
-              <a:rPr lang="en-US" dirty="0" smtClean="0"/>
+              <a:rPr lang="en-US" dirty="0"/>
               <a:t>Process tree in Linux</a:t>
             </a:r>
           </a:p>
           <a:p>
             <a:pPr lvl="1"/>
             <a:r>
-              <a:rPr lang="en-US" dirty="0" smtClean="0"/>
+              <a:rPr lang="en-US" dirty="0"/>
               <a:t>Process Termination</a:t>
             </a:r>
-            <a:endParaRPr lang="en-US" dirty="0" smtClean="0"/>
           </a:p>
         </p:txBody>
       </p:sp>
@@ -4060,51 +4018,49 @@
           </a:lstStyle>
           <a:p>
             <a:r>
-              <a:rPr lang="en-US" dirty="0" smtClean="0"/>
+              <a:rPr lang="en-US" dirty="0"/>
               <a:t>Cooperating Processes</a:t>
             </a:r>
-            <a:endParaRPr lang="en-US" dirty="0"/>
-          </a:p>
-          <a:p>
-            <a:r>
-              <a:rPr lang="en-US" dirty="0" smtClean="0"/>
+          </a:p>
+          <a:p>
+            <a:r>
+              <a:rPr lang="en-US" dirty="0"/>
               <a:t>Independent Processes</a:t>
             </a:r>
           </a:p>
           <a:p>
             <a:r>
-              <a:rPr lang="en-US" dirty="0" smtClean="0"/>
+              <a:rPr lang="en-US" dirty="0"/>
               <a:t>Inter-process Communication</a:t>
             </a:r>
           </a:p>
           <a:p>
             <a:pPr lvl="1"/>
             <a:r>
-              <a:rPr lang="en-US" dirty="0" smtClean="0"/>
+              <a:rPr lang="en-US" dirty="0"/>
               <a:t>Message Passing</a:t>
             </a:r>
           </a:p>
           <a:p>
             <a:pPr lvl="1"/>
             <a:r>
-              <a:rPr lang="en-US" dirty="0" smtClean="0"/>
+              <a:rPr lang="en-US" dirty="0"/>
               <a:t>Shared Memory</a:t>
             </a:r>
           </a:p>
           <a:p>
             <a:pPr lvl="1"/>
             <a:r>
-              <a:rPr lang="en-US" dirty="0" smtClean="0"/>
+              <a:rPr lang="en-US" dirty="0"/>
               <a:t>Pipes</a:t>
             </a:r>
           </a:p>
           <a:p>
             <a:pPr lvl="1"/>
             <a:r>
-              <a:rPr lang="en-US" dirty="0" smtClean="0"/>
+              <a:rPr lang="en-US" dirty="0"/>
               <a:t>Sockets</a:t>
             </a:r>
-            <a:endParaRPr lang="en-US" dirty="0" smtClean="0"/>
           </a:p>
         </p:txBody>
       </p:sp>
@@ -4112,6 +4068,385 @@
     <p:extLst>
       <p:ext uri="{BB962C8B-B14F-4D97-AF65-F5344CB8AC3E}">
         <p14:creationId xmlns:p14="http://schemas.microsoft.com/office/powerpoint/2010/main" val="3048127857"/>
+      </p:ext>
+    </p:extLst>
+  </p:cSld>
+  <p:clrMapOvr>
+    <a:masterClrMapping/>
+  </p:clrMapOvr>
+</p:sld>
+</file>
+
+<file path=ppt/slides/slide4.xml><?xml version="1.0" encoding="utf-8"?>
+<p:sld xmlns:a="http://schemas.openxmlformats.org/drawingml/2006/main" xmlns:r="http://schemas.openxmlformats.org/officeDocument/2006/relationships" xmlns:p="http://schemas.openxmlformats.org/presentationml/2006/main">
+  <p:cSld>
+    <p:spTree>
+      <p:nvGrpSpPr>
+        <p:cNvPr id="1" name=""/>
+        <p:cNvGrpSpPr/>
+        <p:nvPr/>
+      </p:nvGrpSpPr>
+      <p:grpSpPr>
+        <a:xfrm>
+          <a:off x="0" y="0"/>
+          <a:ext cx="0" cy="0"/>
+          <a:chOff x="0" y="0"/>
+          <a:chExt cx="0" cy="0"/>
+        </a:xfrm>
+      </p:grpSpPr>
+      <p:sp>
+        <p:nvSpPr>
+          <p:cNvPr id="2" name="Title 1">
+            <a:extLst>
+              <a:ext uri="{FF2B5EF4-FFF2-40B4-BE49-F238E27FC236}">
+                <a16:creationId xmlns:a16="http://schemas.microsoft.com/office/drawing/2014/main" id="{791FF9B0-1779-1CD1-4F87-05FE4C7CDD9B}"/>
+              </a:ext>
+            </a:extLst>
+          </p:cNvPr>
+          <p:cNvSpPr>
+            <a:spLocks noGrp="1"/>
+          </p:cNvSpPr>
+          <p:nvPr>
+            <p:ph type="title"/>
+          </p:nvPr>
+        </p:nvSpPr>
+        <p:spPr/>
+        <p:txBody>
+          <a:bodyPr/>
+          <a:lstStyle/>
+          <a:p>
+            <a:r>
+              <a:rPr lang="en-US" dirty="0"/>
+              <a:t>Chapter 4</a:t>
+            </a:r>
+          </a:p>
+        </p:txBody>
+      </p:sp>
+      <p:sp>
+        <p:nvSpPr>
+          <p:cNvPr id="3" name="Content Placeholder 2">
+            <a:extLst>
+              <a:ext uri="{FF2B5EF4-FFF2-40B4-BE49-F238E27FC236}">
+                <a16:creationId xmlns:a16="http://schemas.microsoft.com/office/drawing/2014/main" id="{C2B6F67F-F676-153D-3218-4638F5FC2CB5}"/>
+              </a:ext>
+            </a:extLst>
+          </p:cNvPr>
+          <p:cNvSpPr>
+            <a:spLocks noGrp="1"/>
+          </p:cNvSpPr>
+          <p:nvPr>
+            <p:ph idx="1"/>
+          </p:nvPr>
+        </p:nvSpPr>
+        <p:spPr>
+          <a:xfrm>
+            <a:off x="838200" y="1825625"/>
+            <a:ext cx="5655906" cy="4351338"/>
+          </a:xfrm>
+        </p:spPr>
+        <p:txBody>
+          <a:bodyPr>
+            <a:normAutofit lnSpcReduction="10000"/>
+          </a:bodyPr>
+          <a:lstStyle/>
+          <a:p>
+            <a:r>
+              <a:rPr lang="en-US" dirty="0"/>
+              <a:t>Single Threaded vs Multi-threaded process</a:t>
+            </a:r>
+          </a:p>
+          <a:p>
+            <a:r>
+              <a:rPr lang="en-US" dirty="0"/>
+              <a:t>Benefits of using Threads</a:t>
+            </a:r>
+          </a:p>
+          <a:p>
+            <a:r>
+              <a:rPr lang="en-US" dirty="0"/>
+              <a:t>Multi-core programming</a:t>
+            </a:r>
+          </a:p>
+          <a:p>
+            <a:pPr lvl="1"/>
+            <a:r>
+              <a:rPr lang="en-US" dirty="0"/>
+              <a:t>Dividing activities</a:t>
+            </a:r>
+          </a:p>
+          <a:p>
+            <a:pPr lvl="1"/>
+            <a:r>
+              <a:rPr lang="en-US" dirty="0"/>
+              <a:t>Balance</a:t>
+            </a:r>
+          </a:p>
+          <a:p>
+            <a:pPr lvl="1"/>
+            <a:r>
+              <a:rPr lang="en-US" dirty="0"/>
+              <a:t>Data Splitting</a:t>
+            </a:r>
+          </a:p>
+          <a:p>
+            <a:pPr lvl="1"/>
+            <a:r>
+              <a:rPr lang="en-US" dirty="0"/>
+              <a:t>Data Dependency</a:t>
+            </a:r>
+          </a:p>
+          <a:p>
+            <a:pPr lvl="1"/>
+            <a:r>
+              <a:rPr lang="en-US" dirty="0"/>
+              <a:t>Testing &amp; Debugging</a:t>
+            </a:r>
+          </a:p>
+          <a:p>
+            <a:r>
+              <a:rPr lang="en-US" dirty="0"/>
+              <a:t>Parallelism vs Concurrency</a:t>
+            </a:r>
+          </a:p>
+        </p:txBody>
+      </p:sp>
+      <p:sp>
+        <p:nvSpPr>
+          <p:cNvPr id="4" name="Content Placeholder 2">
+            <a:extLst>
+              <a:ext uri="{FF2B5EF4-FFF2-40B4-BE49-F238E27FC236}">
+                <a16:creationId xmlns:a16="http://schemas.microsoft.com/office/drawing/2014/main" id="{CC188AF6-3995-057A-8BFE-6DA1392AF9A1}"/>
+              </a:ext>
+            </a:extLst>
+          </p:cNvPr>
+          <p:cNvSpPr txBox="1">
+            <a:spLocks/>
+          </p:cNvSpPr>
+          <p:nvPr/>
+        </p:nvSpPr>
+        <p:spPr>
+          <a:xfrm>
+            <a:off x="6728926" y="1825625"/>
+            <a:ext cx="5152053" cy="4351338"/>
+          </a:xfrm>
+          <a:prstGeom prst="rect">
+            <a:avLst/>
+          </a:prstGeom>
+        </p:spPr>
+        <p:txBody>
+          <a:bodyPr vert="horz" lIns="91440" tIns="45720" rIns="91440" bIns="45720" rtlCol="0">
+            <a:normAutofit/>
+          </a:bodyPr>
+          <a:lstStyle>
+            <a:lvl1pPr marL="228600" indent="-228600" algn="l" defTabSz="914400" rtl="0" eaLnBrk="1" latinLnBrk="0" hangingPunct="1">
+              <a:lnSpc>
+                <a:spcPct val="90000"/>
+              </a:lnSpc>
+              <a:spcBef>
+                <a:spcPts val="1000"/>
+              </a:spcBef>
+              <a:buFont typeface="Arial" panose="020B0604020202020204" pitchFamily="34" charset="0"/>
+              <a:buChar char="•"/>
+              <a:defRPr sz="2800" kern="1200">
+                <a:solidFill>
+                  <a:schemeClr val="tx1"/>
+                </a:solidFill>
+                <a:latin typeface="+mn-lt"/>
+                <a:ea typeface="+mn-ea"/>
+                <a:cs typeface="+mn-cs"/>
+              </a:defRPr>
+            </a:lvl1pPr>
+            <a:lvl2pPr marL="685800" indent="-228600" algn="l" defTabSz="914400" rtl="0" eaLnBrk="1" latinLnBrk="0" hangingPunct="1">
+              <a:lnSpc>
+                <a:spcPct val="90000"/>
+              </a:lnSpc>
+              <a:spcBef>
+                <a:spcPts val="500"/>
+              </a:spcBef>
+              <a:buFont typeface="Arial" panose="020B0604020202020204" pitchFamily="34" charset="0"/>
+              <a:buChar char="•"/>
+              <a:defRPr sz="2400" kern="1200">
+                <a:solidFill>
+                  <a:schemeClr val="tx1"/>
+                </a:solidFill>
+                <a:latin typeface="+mn-lt"/>
+                <a:ea typeface="+mn-ea"/>
+                <a:cs typeface="+mn-cs"/>
+              </a:defRPr>
+            </a:lvl2pPr>
+            <a:lvl3pPr marL="1143000" indent="-228600" algn="l" defTabSz="914400" rtl="0" eaLnBrk="1" latinLnBrk="0" hangingPunct="1">
+              <a:lnSpc>
+                <a:spcPct val="90000"/>
+              </a:lnSpc>
+              <a:spcBef>
+                <a:spcPts val="500"/>
+              </a:spcBef>
+              <a:buFont typeface="Arial" panose="020B0604020202020204" pitchFamily="34" charset="0"/>
+              <a:buChar char="•"/>
+              <a:defRPr sz="2000" kern="1200">
+                <a:solidFill>
+                  <a:schemeClr val="tx1"/>
+                </a:solidFill>
+                <a:latin typeface="+mn-lt"/>
+                <a:ea typeface="+mn-ea"/>
+                <a:cs typeface="+mn-cs"/>
+              </a:defRPr>
+            </a:lvl3pPr>
+            <a:lvl4pPr marL="1600200" indent="-228600" algn="l" defTabSz="914400" rtl="0" eaLnBrk="1" latinLnBrk="0" hangingPunct="1">
+              <a:lnSpc>
+                <a:spcPct val="90000"/>
+              </a:lnSpc>
+              <a:spcBef>
+                <a:spcPts val="500"/>
+              </a:spcBef>
+              <a:buFont typeface="Arial" panose="020B0604020202020204" pitchFamily="34" charset="0"/>
+              <a:buChar char="•"/>
+              <a:defRPr sz="1800" kern="1200">
+                <a:solidFill>
+                  <a:schemeClr val="tx1"/>
+                </a:solidFill>
+                <a:latin typeface="+mn-lt"/>
+                <a:ea typeface="+mn-ea"/>
+                <a:cs typeface="+mn-cs"/>
+              </a:defRPr>
+            </a:lvl4pPr>
+            <a:lvl5pPr marL="2057400" indent="-228600" algn="l" defTabSz="914400" rtl="0" eaLnBrk="1" latinLnBrk="0" hangingPunct="1">
+              <a:lnSpc>
+                <a:spcPct val="90000"/>
+              </a:lnSpc>
+              <a:spcBef>
+                <a:spcPts val="500"/>
+              </a:spcBef>
+              <a:buFont typeface="Arial" panose="020B0604020202020204" pitchFamily="34" charset="0"/>
+              <a:buChar char="•"/>
+              <a:defRPr sz="1800" kern="1200">
+                <a:solidFill>
+                  <a:schemeClr val="tx1"/>
+                </a:solidFill>
+                <a:latin typeface="+mn-lt"/>
+                <a:ea typeface="+mn-ea"/>
+                <a:cs typeface="+mn-cs"/>
+              </a:defRPr>
+            </a:lvl5pPr>
+            <a:lvl6pPr marL="2514600" indent="-228600" algn="l" defTabSz="914400" rtl="0" eaLnBrk="1" latinLnBrk="0" hangingPunct="1">
+              <a:lnSpc>
+                <a:spcPct val="90000"/>
+              </a:lnSpc>
+              <a:spcBef>
+                <a:spcPts val="500"/>
+              </a:spcBef>
+              <a:buFont typeface="Arial" panose="020B0604020202020204" pitchFamily="34" charset="0"/>
+              <a:buChar char="•"/>
+              <a:defRPr sz="1800" kern="1200">
+                <a:solidFill>
+                  <a:schemeClr val="tx1"/>
+                </a:solidFill>
+                <a:latin typeface="+mn-lt"/>
+                <a:ea typeface="+mn-ea"/>
+                <a:cs typeface="+mn-cs"/>
+              </a:defRPr>
+            </a:lvl6pPr>
+            <a:lvl7pPr marL="2971800" indent="-228600" algn="l" defTabSz="914400" rtl="0" eaLnBrk="1" latinLnBrk="0" hangingPunct="1">
+              <a:lnSpc>
+                <a:spcPct val="90000"/>
+              </a:lnSpc>
+              <a:spcBef>
+                <a:spcPts val="500"/>
+              </a:spcBef>
+              <a:buFont typeface="Arial" panose="020B0604020202020204" pitchFamily="34" charset="0"/>
+              <a:buChar char="•"/>
+              <a:defRPr sz="1800" kern="1200">
+                <a:solidFill>
+                  <a:schemeClr val="tx1"/>
+                </a:solidFill>
+                <a:latin typeface="+mn-lt"/>
+                <a:ea typeface="+mn-ea"/>
+                <a:cs typeface="+mn-cs"/>
+              </a:defRPr>
+            </a:lvl7pPr>
+            <a:lvl8pPr marL="3429000" indent="-228600" algn="l" defTabSz="914400" rtl="0" eaLnBrk="1" latinLnBrk="0" hangingPunct="1">
+              <a:lnSpc>
+                <a:spcPct val="90000"/>
+              </a:lnSpc>
+              <a:spcBef>
+                <a:spcPts val="500"/>
+              </a:spcBef>
+              <a:buFont typeface="Arial" panose="020B0604020202020204" pitchFamily="34" charset="0"/>
+              <a:buChar char="•"/>
+              <a:defRPr sz="1800" kern="1200">
+                <a:solidFill>
+                  <a:schemeClr val="tx1"/>
+                </a:solidFill>
+                <a:latin typeface="+mn-lt"/>
+                <a:ea typeface="+mn-ea"/>
+                <a:cs typeface="+mn-cs"/>
+              </a:defRPr>
+            </a:lvl8pPr>
+            <a:lvl9pPr marL="3886200" indent="-228600" algn="l" defTabSz="914400" rtl="0" eaLnBrk="1" latinLnBrk="0" hangingPunct="1">
+              <a:lnSpc>
+                <a:spcPct val="90000"/>
+              </a:lnSpc>
+              <a:spcBef>
+                <a:spcPts val="500"/>
+              </a:spcBef>
+              <a:buFont typeface="Arial" panose="020B0604020202020204" pitchFamily="34" charset="0"/>
+              <a:buChar char="•"/>
+              <a:defRPr sz="1800" kern="1200">
+                <a:solidFill>
+                  <a:schemeClr val="tx1"/>
+                </a:solidFill>
+                <a:latin typeface="+mn-lt"/>
+                <a:ea typeface="+mn-ea"/>
+                <a:cs typeface="+mn-cs"/>
+              </a:defRPr>
+            </a:lvl9pPr>
+          </a:lstStyle>
+          <a:p>
+            <a:r>
+              <a:rPr lang="en-US" dirty="0"/>
+              <a:t>Amdahl’s Law</a:t>
+            </a:r>
+          </a:p>
+          <a:p>
+            <a:r>
+              <a:rPr lang="en-US" dirty="0"/>
+              <a:t>User Threads vs Kernel Threads</a:t>
+            </a:r>
+          </a:p>
+          <a:p>
+            <a:r>
+              <a:rPr lang="en-US" dirty="0"/>
+              <a:t>Thread Models</a:t>
+            </a:r>
+          </a:p>
+          <a:p>
+            <a:pPr lvl="1"/>
+            <a:r>
+              <a:rPr lang="en-US" dirty="0"/>
+              <a:t>Many to One</a:t>
+            </a:r>
+          </a:p>
+          <a:p>
+            <a:pPr lvl="1"/>
+            <a:r>
+              <a:rPr lang="en-US" dirty="0"/>
+              <a:t>One-to-One</a:t>
+            </a:r>
+          </a:p>
+          <a:p>
+            <a:pPr lvl="1"/>
+            <a:r>
+              <a:rPr lang="en-US"/>
+              <a:t>Many-to-Many</a:t>
+            </a:r>
+            <a:endParaRPr lang="en-US" dirty="0"/>
+          </a:p>
+        </p:txBody>
+      </p:sp>
+    </p:spTree>
+    <p:extLst>
+      <p:ext uri="{BB962C8B-B14F-4D97-AF65-F5344CB8AC3E}">
+        <p14:creationId xmlns:p14="http://schemas.microsoft.com/office/powerpoint/2010/main" val="3385263352"/>
       </p:ext>
     </p:extLst>
   </p:cSld>
